--- a/img/Def_evidence-informed.pptx
+++ b/img/Def_evidence-informed.pptx
@@ -243,7 +243,7 @@
           <a:p>
             <a:fld id="{B5350E24-C5BC-CA4A-949E-EDC6FF67C047}" type="datetimeFigureOut">
               <a:rPr lang="de-DE" smtClean="0"/>
-              <a:t>10.07.24</a:t>
+              <a:t>14.07.24</a:t>
             </a:fld>
             <a:endParaRPr lang="de-DE"/>
           </a:p>
@@ -413,7 +413,7 @@
           <a:p>
             <a:fld id="{B5350E24-C5BC-CA4A-949E-EDC6FF67C047}" type="datetimeFigureOut">
               <a:rPr lang="de-DE" smtClean="0"/>
-              <a:t>10.07.24</a:t>
+              <a:t>14.07.24</a:t>
             </a:fld>
             <a:endParaRPr lang="de-DE"/>
           </a:p>
@@ -593,7 +593,7 @@
           <a:p>
             <a:fld id="{B5350E24-C5BC-CA4A-949E-EDC6FF67C047}" type="datetimeFigureOut">
               <a:rPr lang="de-DE" smtClean="0"/>
-              <a:t>10.07.24</a:t>
+              <a:t>14.07.24</a:t>
             </a:fld>
             <a:endParaRPr lang="de-DE"/>
           </a:p>
@@ -763,7 +763,7 @@
           <a:p>
             <a:fld id="{B5350E24-C5BC-CA4A-949E-EDC6FF67C047}" type="datetimeFigureOut">
               <a:rPr lang="de-DE" smtClean="0"/>
-              <a:t>10.07.24</a:t>
+              <a:t>14.07.24</a:t>
             </a:fld>
             <a:endParaRPr lang="de-DE"/>
           </a:p>
@@ -1009,7 +1009,7 @@
           <a:p>
             <a:fld id="{B5350E24-C5BC-CA4A-949E-EDC6FF67C047}" type="datetimeFigureOut">
               <a:rPr lang="de-DE" smtClean="0"/>
-              <a:t>10.07.24</a:t>
+              <a:t>14.07.24</a:t>
             </a:fld>
             <a:endParaRPr lang="de-DE"/>
           </a:p>
@@ -1241,7 +1241,7 @@
           <a:p>
             <a:fld id="{B5350E24-C5BC-CA4A-949E-EDC6FF67C047}" type="datetimeFigureOut">
               <a:rPr lang="de-DE" smtClean="0"/>
-              <a:t>10.07.24</a:t>
+              <a:t>14.07.24</a:t>
             </a:fld>
             <a:endParaRPr lang="de-DE"/>
           </a:p>
@@ -1608,7 +1608,7 @@
           <a:p>
             <a:fld id="{B5350E24-C5BC-CA4A-949E-EDC6FF67C047}" type="datetimeFigureOut">
               <a:rPr lang="de-DE" smtClean="0"/>
-              <a:t>10.07.24</a:t>
+              <a:t>14.07.24</a:t>
             </a:fld>
             <a:endParaRPr lang="de-DE"/>
           </a:p>
@@ -1726,7 +1726,7 @@
           <a:p>
             <a:fld id="{B5350E24-C5BC-CA4A-949E-EDC6FF67C047}" type="datetimeFigureOut">
               <a:rPr lang="de-DE" smtClean="0"/>
-              <a:t>10.07.24</a:t>
+              <a:t>14.07.24</a:t>
             </a:fld>
             <a:endParaRPr lang="de-DE"/>
           </a:p>
@@ -1821,7 +1821,7 @@
           <a:p>
             <a:fld id="{B5350E24-C5BC-CA4A-949E-EDC6FF67C047}" type="datetimeFigureOut">
               <a:rPr lang="de-DE" smtClean="0"/>
-              <a:t>10.07.24</a:t>
+              <a:t>14.07.24</a:t>
             </a:fld>
             <a:endParaRPr lang="de-DE"/>
           </a:p>
@@ -2098,7 +2098,7 @@
           <a:p>
             <a:fld id="{B5350E24-C5BC-CA4A-949E-EDC6FF67C047}" type="datetimeFigureOut">
               <a:rPr lang="de-DE" smtClean="0"/>
-              <a:t>10.07.24</a:t>
+              <a:t>14.07.24</a:t>
             </a:fld>
             <a:endParaRPr lang="de-DE"/>
           </a:p>
@@ -2355,7 +2355,7 @@
           <a:p>
             <a:fld id="{B5350E24-C5BC-CA4A-949E-EDC6FF67C047}" type="datetimeFigureOut">
               <a:rPr lang="de-DE" smtClean="0"/>
-              <a:t>10.07.24</a:t>
+              <a:t>14.07.24</a:t>
             </a:fld>
             <a:endParaRPr lang="de-DE"/>
           </a:p>
@@ -2568,7 +2568,7 @@
           <a:p>
             <a:fld id="{B5350E24-C5BC-CA4A-949E-EDC6FF67C047}" type="datetimeFigureOut">
               <a:rPr lang="de-DE" smtClean="0"/>
-              <a:t>10.07.24</a:t>
+              <a:t>14.07.24</a:t>
             </a:fld>
             <a:endParaRPr lang="de-DE"/>
           </a:p>
@@ -3790,16 +3790,6 @@
               <a:t>terms‘evidence-based’and‘evidence-informed</a:t>
             </a:r>
             <a:r>
-              <a:rPr lang="de-DE">
-                <a:solidFill>
-                  <a:srgbClr val="267326"/>
-                </a:solidFill>
-                <a:latin typeface="Arial" panose="020B0604020202020204" pitchFamily="34" charset="0"/>
-                <a:cs typeface="Arial" panose="020B0604020202020204" pitchFamily="34" charset="0"/>
-              </a:rPr>
-              <a:t>’ interchangeably</a:t>
-            </a:r>
-            <a:r>
               <a:rPr lang="de-DE" dirty="0">
                 <a:solidFill>
                   <a:srgbClr val="267326"/>
@@ -3807,6 +3797,26 @@
                 <a:latin typeface="Arial" panose="020B0604020202020204" pitchFamily="34" charset="0"/>
                 <a:cs typeface="Arial" panose="020B0604020202020204" pitchFamily="34" charset="0"/>
               </a:rPr>
+              <a:t>’ </a:t>
+            </a:r>
+            <a:r>
+              <a:rPr lang="de-DE" dirty="0" err="1">
+                <a:solidFill>
+                  <a:srgbClr val="267326"/>
+                </a:solidFill>
+                <a:latin typeface="Arial" panose="020B0604020202020204" pitchFamily="34" charset="0"/>
+                <a:cs typeface="Arial" panose="020B0604020202020204" pitchFamily="34" charset="0"/>
+              </a:rPr>
+              <a:t>interchangeably</a:t>
+            </a:r>
+            <a:r>
+              <a:rPr lang="de-DE" dirty="0">
+                <a:solidFill>
+                  <a:srgbClr val="267326"/>
+                </a:solidFill>
+                <a:latin typeface="Arial" panose="020B0604020202020204" pitchFamily="34" charset="0"/>
+                <a:cs typeface="Arial" panose="020B0604020202020204" pitchFamily="34" charset="0"/>
+              </a:rPr>
               <a:t>" </a:t>
             </a:r>
           </a:p>
@@ -3814,7 +3824,7 @@
             <a:r>
               <a:rPr lang="de-DE" dirty="0">
                 <a:solidFill>
-                  <a:srgbClr val="267326"/>
+                  <a:srgbClr val="7FC400"/>
                 </a:solidFill>
                 <a:latin typeface="Arial" panose="020B0604020202020204" pitchFamily="34" charset="0"/>
                 <a:cs typeface="Arial" panose="020B0604020202020204" pitchFamily="34" charset="0"/>
